--- a/slides/5.containers.pptx
+++ b/slides/5.containers.pptx
@@ -432,7 +432,7 @@
           <a:p>
             <a:fld id="{824CB664-1D7D-4928-9E51-F023012F9627}" type="datetimeFigureOut">
               <a:rPr lang="nl-NL" smtClean="0"/>
-              <a:t>28-1-2024</a:t>
+              <a:t>29-1-2024</a:t>
             </a:fld>
             <a:endParaRPr lang="nl-NL"/>
           </a:p>
@@ -6874,7 +6874,7 @@
                 <a:latin typeface="Courier New" panose="02070309020205020404" pitchFamily="49" charset="0"/>
                 <a:cs typeface="Courier New" panose="02070309020205020404" pitchFamily="49" charset="0"/>
               </a:rPr>
-              <a:t>Not contiguous in memory at all</a:t>
+              <a:t>Not contiguous in memory</a:t>
             </a:r>
             <a:endParaRPr lang="en-BE" dirty="0">
               <a:latin typeface="Courier New" panose="02070309020205020404" pitchFamily="49" charset="0"/>
@@ -28311,8 +28311,8 @@
         </p:nvSpPr>
         <p:spPr>
           <a:xfrm>
-            <a:off x="2345199" y="2580728"/>
-            <a:ext cx="5393408" cy="271394"/>
+            <a:off x="7921592" y="2144887"/>
+            <a:ext cx="1713192" cy="1012199"/>
           </a:xfrm>
           <a:prstGeom prst="rect">
             <a:avLst/>
